--- a/Later/Enum/3/Java enum cons.pptx
+++ b/Later/Enum/3/Java enum cons.pptx
@@ -192,7 +192,7 @@
           <a:p>
             <a:fld id="{62274EC6-3890-417B-9308-14EFBD00FA63}" type="datetimeFigureOut">
               <a:rPr lang="en-US" smtClean="0"/>
-              <a:t>1/11/2017</a:t>
+              <a:t>1/12/2017</a:t>
             </a:fld>
             <a:endParaRPr lang="en-US" dirty="0"/>
           </a:p>
@@ -731,7 +731,7 @@
             <a:fld id="{1D8BD707-D9CF-40AE-B4C6-C98DA3205C09}" type="datetimeFigureOut">
               <a:rPr lang="en-US" smtClean="0"/>
               <a:pPr/>
-              <a:t>1/11/2017</a:t>
+              <a:t>1/12/2017</a:t>
             </a:fld>
             <a:endParaRPr lang="en-US" dirty="0"/>
           </a:p>
@@ -903,7 +903,7 @@
             <a:fld id="{1D8BD707-D9CF-40AE-B4C6-C98DA3205C09}" type="datetimeFigureOut">
               <a:rPr lang="en-US" smtClean="0"/>
               <a:pPr/>
-              <a:t>1/11/2017</a:t>
+              <a:t>1/12/2017</a:t>
             </a:fld>
             <a:endParaRPr lang="en-US" dirty="0"/>
           </a:p>
@@ -1085,7 +1085,7 @@
             <a:fld id="{1D8BD707-D9CF-40AE-B4C6-C98DA3205C09}" type="datetimeFigureOut">
               <a:rPr lang="en-US" smtClean="0"/>
               <a:pPr/>
-              <a:t>1/11/2017</a:t>
+              <a:t>1/12/2017</a:t>
             </a:fld>
             <a:endParaRPr lang="en-US" dirty="0"/>
           </a:p>
@@ -1257,7 +1257,7 @@
             <a:fld id="{1D8BD707-D9CF-40AE-B4C6-C98DA3205C09}" type="datetimeFigureOut">
               <a:rPr lang="en-US" smtClean="0"/>
               <a:pPr/>
-              <a:t>1/11/2017</a:t>
+              <a:t>1/12/2017</a:t>
             </a:fld>
             <a:endParaRPr lang="en-US" dirty="0"/>
           </a:p>
@@ -1505,7 +1505,7 @@
             <a:fld id="{1D8BD707-D9CF-40AE-B4C6-C98DA3205C09}" type="datetimeFigureOut">
               <a:rPr lang="en-US" smtClean="0"/>
               <a:pPr/>
-              <a:t>1/11/2017</a:t>
+              <a:t>1/12/2017</a:t>
             </a:fld>
             <a:endParaRPr lang="en-US" dirty="0"/>
           </a:p>
@@ -1795,7 +1795,7 @@
             <a:fld id="{1D8BD707-D9CF-40AE-B4C6-C98DA3205C09}" type="datetimeFigureOut">
               <a:rPr lang="en-US" smtClean="0"/>
               <a:pPr/>
-              <a:t>1/11/2017</a:t>
+              <a:t>1/12/2017</a:t>
             </a:fld>
             <a:endParaRPr lang="en-US" dirty="0"/>
           </a:p>
@@ -2224,7 +2224,7 @@
             <a:fld id="{1D8BD707-D9CF-40AE-B4C6-C98DA3205C09}" type="datetimeFigureOut">
               <a:rPr lang="en-US" smtClean="0"/>
               <a:pPr/>
-              <a:t>1/11/2017</a:t>
+              <a:t>1/12/2017</a:t>
             </a:fld>
             <a:endParaRPr lang="en-US" dirty="0"/>
           </a:p>
@@ -2344,7 +2344,7 @@
             <a:fld id="{1D8BD707-D9CF-40AE-B4C6-C98DA3205C09}" type="datetimeFigureOut">
               <a:rPr lang="en-US" smtClean="0"/>
               <a:pPr/>
-              <a:t>1/11/2017</a:t>
+              <a:t>1/12/2017</a:t>
             </a:fld>
             <a:endParaRPr lang="en-US" dirty="0"/>
           </a:p>
@@ -2441,7 +2441,7 @@
             <a:fld id="{1D8BD707-D9CF-40AE-B4C6-C98DA3205C09}" type="datetimeFigureOut">
               <a:rPr lang="en-US" smtClean="0"/>
               <a:pPr/>
-              <a:t>1/11/2017</a:t>
+              <a:t>1/12/2017</a:t>
             </a:fld>
             <a:endParaRPr lang="en-US" dirty="0"/>
           </a:p>
@@ -2720,7 +2720,7 @@
             <a:fld id="{1D8BD707-D9CF-40AE-B4C6-C98DA3205C09}" type="datetimeFigureOut">
               <a:rPr lang="en-US" smtClean="0"/>
               <a:pPr/>
-              <a:t>1/11/2017</a:t>
+              <a:t>1/12/2017</a:t>
             </a:fld>
             <a:endParaRPr lang="en-US" dirty="0"/>
           </a:p>
@@ -2975,7 +2975,7 @@
             <a:fld id="{1D8BD707-D9CF-40AE-B4C6-C98DA3205C09}" type="datetimeFigureOut">
               <a:rPr lang="en-US" smtClean="0"/>
               <a:pPr/>
-              <a:t>1/11/2017</a:t>
+              <a:t>1/12/2017</a:t>
             </a:fld>
             <a:endParaRPr lang="en-US" dirty="0"/>
           </a:p>
@@ -3190,7 +3190,7 @@
             <a:fld id="{1D8BD707-D9CF-40AE-B4C6-C98DA3205C09}" type="datetimeFigureOut">
               <a:rPr lang="en-US" smtClean="0"/>
               <a:pPr/>
-              <a:t>1/11/2017</a:t>
+              <a:t>1/12/2017</a:t>
             </a:fld>
             <a:endParaRPr lang="en-US" dirty="0"/>
           </a:p>
@@ -3734,7 +3734,7 @@
         </p:nvSpPr>
         <p:spPr>
           <a:xfrm>
-            <a:off x="5248275" y="1295399"/>
+            <a:off x="5238750" y="785044"/>
             <a:ext cx="3429000" cy="455667"/>
           </a:xfrm>
           <a:prstGeom prst="roundRect">
@@ -3764,7 +3764,6 @@
               <a:rPr lang="en-US" sz="1200" dirty="0"/>
               <a:t> Enum can have fields, constructors and methods.</a:t>
             </a:r>
-            <a:endParaRPr lang="en-US" sz="1200" dirty="0"/>
           </a:p>
         </p:txBody>
       </p:sp>
@@ -3791,7 +3790,7 @@
         </p:blipFill>
         <p:spPr bwMode="auto">
           <a:xfrm>
-            <a:off x="460375" y="1122417"/>
+            <a:off x="450850" y="612062"/>
             <a:ext cx="4572000" cy="2278007"/>
           </a:xfrm>
           <a:prstGeom prst="rect">
@@ -3814,6 +3813,141 @@
           </a:fontRef>
         </p:style>
       </p:pic>
+      <p:sp>
+        <p:nvSpPr>
+          <p:cNvPr id="5" name="Rounded Rectangle 4"/>
+          <p:cNvSpPr/>
+          <p:nvPr/>
+        </p:nvSpPr>
+        <p:spPr>
+          <a:xfrm>
+            <a:off x="307975" y="3276600"/>
+            <a:ext cx="8607425" cy="1600200"/>
+          </a:xfrm>
+          <a:prstGeom prst="roundRect">
+            <a:avLst/>
+          </a:prstGeom>
+          <a:ln w="3175"/>
+        </p:spPr>
+        <p:style>
+          <a:lnRef idx="2">
+            <a:schemeClr val="accent5"/>
+          </a:lnRef>
+          <a:fillRef idx="1">
+            <a:schemeClr val="lt1"/>
+          </a:fillRef>
+          <a:effectRef idx="0">
+            <a:schemeClr val="accent5"/>
+          </a:effectRef>
+          <a:fontRef idx="minor">
+            <a:schemeClr val="dk1"/>
+          </a:fontRef>
+        </p:style>
+        <p:txBody>
+          <a:bodyPr rtlCol="0" anchor="ctr"/>
+          <a:lstStyle/>
+          <a:p>
+            <a:r>
+              <a:rPr lang="en-US" sz="1200" b="1" dirty="0">
+                <a:solidFill>
+                  <a:srgbClr val="C00000"/>
+                </a:solidFill>
+              </a:rPr>
+              <a:t>Can we create the instance of </a:t>
+            </a:r>
+            <a:r>
+              <a:rPr lang="en-US" sz="1200" b="1" dirty="0">
+                <a:solidFill>
+                  <a:srgbClr val="C00000"/>
+                </a:solidFill>
+              </a:rPr>
+              <a:t>enum</a:t>
+            </a:r>
+            <a:r>
+              <a:rPr lang="en-US" sz="1200" b="1" dirty="0">
+                <a:solidFill>
+                  <a:srgbClr val="C00000"/>
+                </a:solidFill>
+              </a:rPr>
+              <a:t> by new keyword?</a:t>
+            </a:r>
+          </a:p>
+          <a:p>
+            <a:endParaRPr lang="en-US" sz="1200" dirty="0"/>
+          </a:p>
+          <a:p>
+            <a:r>
+              <a:rPr lang="en-US" sz="1200" dirty="0" smtClean="0"/>
+              <a:t>	No</a:t>
+            </a:r>
+            <a:r>
+              <a:rPr lang="en-US" sz="1200" dirty="0"/>
+              <a:t>, because it contains private constructors only</a:t>
+            </a:r>
+            <a:r>
+              <a:rPr lang="en-US" sz="1200" dirty="0" smtClean="0"/>
+              <a:t>.</a:t>
+            </a:r>
+          </a:p>
+          <a:p>
+            <a:endParaRPr lang="en-US" sz="1200" dirty="0"/>
+          </a:p>
+          <a:p>
+            <a:r>
+              <a:rPr lang="en-US" sz="1200" b="1" dirty="0">
+                <a:solidFill>
+                  <a:srgbClr val="C00000"/>
+                </a:solidFill>
+              </a:rPr>
+              <a:t>Can we have abstract method in </a:t>
+            </a:r>
+            <a:r>
+              <a:rPr lang="en-US" sz="1200" b="1" dirty="0">
+                <a:solidFill>
+                  <a:srgbClr val="C00000"/>
+                </a:solidFill>
+              </a:rPr>
+              <a:t>enum</a:t>
+            </a:r>
+            <a:r>
+              <a:rPr lang="en-US" sz="1200" b="1" dirty="0">
+                <a:solidFill>
+                  <a:srgbClr val="C00000"/>
+                </a:solidFill>
+              </a:rPr>
+              <a:t>?</a:t>
+            </a:r>
+          </a:p>
+          <a:p>
+            <a:endParaRPr lang="en-US" sz="1200" dirty="0" smtClean="0"/>
+          </a:p>
+          <a:p>
+            <a:r>
+              <a:rPr lang="en-US" sz="1200" dirty="0"/>
+              <a:t>	</a:t>
+            </a:r>
+            <a:r>
+              <a:rPr lang="en-US" sz="1200" dirty="0" smtClean="0"/>
+              <a:t>Yes</a:t>
+            </a:r>
+            <a:r>
+              <a:rPr lang="en-US" sz="1200" dirty="0"/>
+              <a:t>, </a:t>
+            </a:r>
+            <a:r>
+              <a:rPr lang="en-US" sz="1200" dirty="0" smtClean="0"/>
+              <a:t>we </a:t>
+            </a:r>
+            <a:r>
+              <a:rPr lang="en-US" sz="1200" dirty="0"/>
+              <a:t>can have abstract methods and can provide the implementation of these methods.</a:t>
+            </a:r>
+          </a:p>
+          <a:p>
+            <a:endParaRPr lang="en-US" sz="1200" dirty="0"/>
+          </a:p>
+        </p:txBody>
+      </p:sp>
     </p:spTree>
     <p:extLst>
       <p:ext uri="{BB962C8B-B14F-4D97-AF65-F5344CB8AC3E}">
